--- a/SNR DFT.pptx
+++ b/SNR DFT.pptx
@@ -262,7 +262,7 @@
           <a:p>
             <a:fld id="{E103D35A-DC37-463B-9812-D1385B3C8208}" type="datetimeFigureOut">
               <a:rPr lang="en-DE" smtClean="0"/>
-              <a:t>04/10/2023</a:t>
+              <a:t>04/11/2023</a:t>
             </a:fld>
             <a:endParaRPr lang="en-DE"/>
           </a:p>
@@ -462,7 +462,7 @@
           <a:p>
             <a:fld id="{E103D35A-DC37-463B-9812-D1385B3C8208}" type="datetimeFigureOut">
               <a:rPr lang="en-DE" smtClean="0"/>
-              <a:t>04/10/2023</a:t>
+              <a:t>04/11/2023</a:t>
             </a:fld>
             <a:endParaRPr lang="en-DE"/>
           </a:p>
@@ -708,7 +708,7 @@
           <a:p>
             <a:fld id="{E103D35A-DC37-463B-9812-D1385B3C8208}" type="datetimeFigureOut">
               <a:rPr lang="en-DE" smtClean="0"/>
-              <a:t>04/10/2023</a:t>
+              <a:t>04/11/2023</a:t>
             </a:fld>
             <a:endParaRPr lang="en-DE"/>
           </a:p>
@@ -1312,13 +1312,7 @@
               <a:rPr lang="en-US" sz="4000" dirty="0" smtClean="0">
                 <a:latin typeface="+mn-lt"/>
               </a:rPr>
-              <a:t>DFT Signal Gain derivation </a:t>
-            </a:r>
-            <a:r>
-              <a:rPr lang="en-US" sz="4000" dirty="0" smtClean="0">
-                <a:latin typeface="+mn-lt"/>
-              </a:rPr>
-              <a:t>with modelling in Python</a:t>
+              <a:t>DFT Signal Gain derivation with modelling in Python</a:t>
             </a:r>
             <a:endParaRPr lang="ru-RU" sz="4000" dirty="0">
               <a:latin typeface="+mn-lt"/>
@@ -1381,13 +1375,7 @@
       </p:sp>
       <p:pic>
         <p:nvPicPr>
-          <p:cNvPr id="3" name="Picture 2" descr="Chart&#10;&#10;Description automatically generated with low confidence">
-            <a:extLst>
-              <a:ext uri="{FF2B5EF4-FFF2-40B4-BE49-F238E27FC236}">
-                <a16:creationId xmlns:a16="http://schemas.microsoft.com/office/drawing/2014/main" id="{5A52790B-6018-B4CD-276D-19FE22FDB146}"/>
-              </a:ext>
-            </a:extLst>
-          </p:cNvPr>
+          <p:cNvPr id="2" name="Рисунок 1"/>
           <p:cNvPicPr>
             <a:picLocks noChangeAspect="1"/>
           </p:cNvPicPr>
@@ -1407,8 +1395,8 @@
         </p:blipFill>
         <p:spPr>
           <a:xfrm>
-            <a:off x="7059276" y="4082031"/>
-            <a:ext cx="3819227" cy="2257720"/>
+            <a:off x="7345134" y="4098472"/>
+            <a:ext cx="3445329" cy="2296886"/>
           </a:xfrm>
           <a:prstGeom prst="roundRect">
             <a:avLst>
@@ -1484,7 +1472,7 @@
                 <a16:creationId xmlns:a16="http://schemas.microsoft.com/office/drawing/2014/main" id="{982413CC-69E6-4BDA-A88D-E4EF8F95B27D}"/>
               </a:ext>
               <a:ext uri="{C183D7F6-B498-43B3-948B-1728B52AA6E4}">
-                <adec:decorative xmlns="" xmlns:adec="http://schemas.microsoft.com/office/drawing/2017/decorative" val="1"/>
+                <adec:decorative xmlns:adec="http://schemas.microsoft.com/office/drawing/2017/decorative" xmlns="" val="1"/>
               </a:ext>
             </a:extLst>
           </p:cNvPr>
@@ -1544,7 +1532,7 @@
                 <a16:creationId xmlns:a16="http://schemas.microsoft.com/office/drawing/2014/main" id="{4F1F7357-8633-4CE7-BF80-475EE8A2FAEA}"/>
               </a:ext>
               <a:ext uri="{C183D7F6-B498-43B3-948B-1728B52AA6E4}">
-                <adec:decorative xmlns="" xmlns:adec="http://schemas.microsoft.com/office/drawing/2017/decorative" val="1"/>
+                <adec:decorative xmlns:adec="http://schemas.microsoft.com/office/drawing/2017/decorative" xmlns="" val="1"/>
               </a:ext>
             </a:extLst>
           </p:cNvPr>
@@ -1575,7 +1563,7 @@
                   <a16:creationId xmlns:a16="http://schemas.microsoft.com/office/drawing/2014/main" id="{E402FE4E-C12D-497C-AF81-F08E4E02B457}"/>
                 </a:ext>
                 <a:ext uri="{C183D7F6-B498-43B3-948B-1728B52AA6E4}">
-                  <adec:decorative xmlns="" xmlns:adec="http://schemas.microsoft.com/office/drawing/2017/decorative" val="1"/>
+                  <adec:decorative xmlns:adec="http://schemas.microsoft.com/office/drawing/2017/decorative" xmlns="" val="1"/>
                 </a:ext>
               </a:extLst>
             </p:cNvPr>
@@ -1668,7 +1656,7 @@
                   <a16:creationId xmlns:a16="http://schemas.microsoft.com/office/drawing/2014/main" id="{59247B10-170D-4E62-849A-38FCB43C6AF9}"/>
                 </a:ext>
                 <a:ext uri="{C183D7F6-B498-43B3-948B-1728B52AA6E4}">
-                  <adec:decorative xmlns="" xmlns:adec="http://schemas.microsoft.com/office/drawing/2017/decorative" val="1"/>
+                  <adec:decorative xmlns:adec="http://schemas.microsoft.com/office/drawing/2017/decorative" xmlns="" val="1"/>
                 </a:ext>
               </a:extLst>
             </p:cNvPr>
@@ -1761,7 +1749,7 @@
                   <a16:creationId xmlns:a16="http://schemas.microsoft.com/office/drawing/2014/main" id="{89A587A7-1BEF-45AA-9EFC-6558A8749CE3}"/>
                 </a:ext>
                 <a:ext uri="{C183D7F6-B498-43B3-948B-1728B52AA6E4}">
-                  <adec:decorative xmlns="" xmlns:adec="http://schemas.microsoft.com/office/drawing/2017/decorative" val="1"/>
+                  <adec:decorative xmlns:adec="http://schemas.microsoft.com/office/drawing/2017/decorative" xmlns="" val="1"/>
                 </a:ext>
               </a:extLst>
             </p:cNvPr>
@@ -1854,7 +1842,7 @@
                   <a16:creationId xmlns:a16="http://schemas.microsoft.com/office/drawing/2014/main" id="{AC25B5A1-6EF7-44EC-A2F0-1EDC96A79B07}"/>
                 </a:ext>
                 <a:ext uri="{C183D7F6-B498-43B3-948B-1728B52AA6E4}">
-                  <adec:decorative xmlns="" xmlns:adec="http://schemas.microsoft.com/office/drawing/2017/decorative" val="1"/>
+                  <adec:decorative xmlns:adec="http://schemas.microsoft.com/office/drawing/2017/decorative" xmlns="" val="1"/>
                 </a:ext>
               </a:extLst>
             </p:cNvPr>
@@ -1947,7 +1935,7 @@
                   <a16:creationId xmlns:a16="http://schemas.microsoft.com/office/drawing/2014/main" id="{80B8582C-7E17-4115-9FF1-979C8405CB5E}"/>
                 </a:ext>
                 <a:ext uri="{C183D7F6-B498-43B3-948B-1728B52AA6E4}">
-                  <adec:decorative xmlns="" xmlns:adec="http://schemas.microsoft.com/office/drawing/2017/decorative" val="1"/>
+                  <adec:decorative xmlns:adec="http://schemas.microsoft.com/office/drawing/2017/decorative" xmlns="" val="1"/>
                 </a:ext>
               </a:extLst>
             </p:cNvPr>
@@ -2040,7 +2028,7 @@
                   <a16:creationId xmlns:a16="http://schemas.microsoft.com/office/drawing/2014/main" id="{F6C4AB66-7A18-4E51-935B-237F4CA82720}"/>
                 </a:ext>
                 <a:ext uri="{C183D7F6-B498-43B3-948B-1728B52AA6E4}">
-                  <adec:decorative xmlns="" xmlns:adec="http://schemas.microsoft.com/office/drawing/2017/decorative" val="1"/>
+                  <adec:decorative xmlns:adec="http://schemas.microsoft.com/office/drawing/2017/decorative" xmlns="" val="1"/>
                 </a:ext>
               </a:extLst>
             </p:cNvPr>
@@ -2133,7 +2121,7 @@
                   <a16:creationId xmlns:a16="http://schemas.microsoft.com/office/drawing/2014/main" id="{CDF12911-A240-4580-8788-0C49DB1FEDBF}"/>
                 </a:ext>
                 <a:ext uri="{C183D7F6-B498-43B3-948B-1728B52AA6E4}">
-                  <adec:decorative xmlns="" xmlns:adec="http://schemas.microsoft.com/office/drawing/2017/decorative" val="1"/>
+                  <adec:decorative xmlns:adec="http://schemas.microsoft.com/office/drawing/2017/decorative" xmlns="" val="1"/>
                 </a:ext>
               </a:extLst>
             </p:cNvPr>
@@ -2226,7 +2214,7 @@
                   <a16:creationId xmlns:a16="http://schemas.microsoft.com/office/drawing/2014/main" id="{EAE0F5DE-442D-4F6C-B02C-2568ED195858}"/>
                 </a:ext>
                 <a:ext uri="{C183D7F6-B498-43B3-948B-1728B52AA6E4}">
-                  <adec:decorative xmlns="" xmlns:adec="http://schemas.microsoft.com/office/drawing/2017/decorative" val="1"/>
+                  <adec:decorative xmlns:adec="http://schemas.microsoft.com/office/drawing/2017/decorative" xmlns="" val="1"/>
                 </a:ext>
               </a:extLst>
             </p:cNvPr>
@@ -2319,7 +2307,7 @@
                   <a16:creationId xmlns:a16="http://schemas.microsoft.com/office/drawing/2014/main" id="{4F24A002-AFDE-4034-85BE-CBF005AE9238}"/>
                 </a:ext>
                 <a:ext uri="{C183D7F6-B498-43B3-948B-1728B52AA6E4}">
-                  <adec:decorative xmlns="" xmlns:adec="http://schemas.microsoft.com/office/drawing/2017/decorative" val="1"/>
+                  <adec:decorative xmlns:adec="http://schemas.microsoft.com/office/drawing/2017/decorative" xmlns="" val="1"/>
                 </a:ext>
               </a:extLst>
             </p:cNvPr>
@@ -2412,7 +2400,7 @@
                   <a16:creationId xmlns:a16="http://schemas.microsoft.com/office/drawing/2014/main" id="{36F0721E-B4B0-4A6C-A92C-F8DE92D3AC02}"/>
                 </a:ext>
                 <a:ext uri="{C183D7F6-B498-43B3-948B-1728B52AA6E4}">
-                  <adec:decorative xmlns="" xmlns:adec="http://schemas.microsoft.com/office/drawing/2017/decorative" val="1"/>
+                  <adec:decorative xmlns:adec="http://schemas.microsoft.com/office/drawing/2017/decorative" xmlns="" val="1"/>
                 </a:ext>
               </a:extLst>
             </p:cNvPr>
@@ -2505,7 +2493,7 @@
                   <a16:creationId xmlns:a16="http://schemas.microsoft.com/office/drawing/2014/main" id="{54D2DC98-69F8-4F2F-9D45-BDFFA5E2BBBB}"/>
                 </a:ext>
                 <a:ext uri="{C183D7F6-B498-43B3-948B-1728B52AA6E4}">
-                  <adec:decorative xmlns="" xmlns:adec="http://schemas.microsoft.com/office/drawing/2017/decorative" val="1"/>
+                  <adec:decorative xmlns:adec="http://schemas.microsoft.com/office/drawing/2017/decorative" xmlns="" val="1"/>
                 </a:ext>
               </a:extLst>
             </p:cNvPr>
@@ -2598,7 +2586,7 @@
                   <a16:creationId xmlns:a16="http://schemas.microsoft.com/office/drawing/2014/main" id="{0A636E33-DC38-40B9-B941-037E5D8603F4}"/>
                 </a:ext>
                 <a:ext uri="{C183D7F6-B498-43B3-948B-1728B52AA6E4}">
-                  <adec:decorative xmlns="" xmlns:adec="http://schemas.microsoft.com/office/drawing/2017/decorative" val="1"/>
+                  <adec:decorative xmlns:adec="http://schemas.microsoft.com/office/drawing/2017/decorative" xmlns="" val="1"/>
                 </a:ext>
               </a:extLst>
             </p:cNvPr>
@@ -2691,7 +2679,7 @@
                   <a16:creationId xmlns:a16="http://schemas.microsoft.com/office/drawing/2014/main" id="{03D30690-68C2-4AEC-9789-1495D97E194F}"/>
                 </a:ext>
                 <a:ext uri="{C183D7F6-B498-43B3-948B-1728B52AA6E4}">
-                  <adec:decorative xmlns="" xmlns:adec="http://schemas.microsoft.com/office/drawing/2017/decorative" val="1"/>
+                  <adec:decorative xmlns:adec="http://schemas.microsoft.com/office/drawing/2017/decorative" xmlns="" val="1"/>
                 </a:ext>
               </a:extLst>
             </p:cNvPr>
@@ -2784,7 +2772,7 @@
                   <a16:creationId xmlns:a16="http://schemas.microsoft.com/office/drawing/2014/main" id="{1020B1B9-821B-49FB-BDC9-57DA08CBC30A}"/>
                 </a:ext>
                 <a:ext uri="{C183D7F6-B498-43B3-948B-1728B52AA6E4}">
-                  <adec:decorative xmlns="" xmlns:adec="http://schemas.microsoft.com/office/drawing/2017/decorative" val="1"/>
+                  <adec:decorative xmlns:adec="http://schemas.microsoft.com/office/drawing/2017/decorative" xmlns="" val="1"/>
                 </a:ext>
               </a:extLst>
             </p:cNvPr>
@@ -2877,7 +2865,7 @@
                   <a16:creationId xmlns:a16="http://schemas.microsoft.com/office/drawing/2014/main" id="{720EDCE4-8B18-413F-989E-E79628E5AF1F}"/>
                 </a:ext>
                 <a:ext uri="{C183D7F6-B498-43B3-948B-1728B52AA6E4}">
-                  <adec:decorative xmlns="" xmlns:adec="http://schemas.microsoft.com/office/drawing/2017/decorative" val="1"/>
+                  <adec:decorative xmlns:adec="http://schemas.microsoft.com/office/drawing/2017/decorative" xmlns="" val="1"/>
                 </a:ext>
               </a:extLst>
             </p:cNvPr>
@@ -2970,7 +2958,7 @@
                   <a16:creationId xmlns:a16="http://schemas.microsoft.com/office/drawing/2014/main" id="{8563351E-0DDD-4FC8-8D0C-1E446E3C1B52}"/>
                 </a:ext>
                 <a:ext uri="{C183D7F6-B498-43B3-948B-1728B52AA6E4}">
-                  <adec:decorative xmlns="" xmlns:adec="http://schemas.microsoft.com/office/drawing/2017/decorative" val="1"/>
+                  <adec:decorative xmlns:adec="http://schemas.microsoft.com/office/drawing/2017/decorative" xmlns="" val="1"/>
                 </a:ext>
               </a:extLst>
             </p:cNvPr>
@@ -3063,7 +3051,7 @@
                   <a16:creationId xmlns:a16="http://schemas.microsoft.com/office/drawing/2014/main" id="{15E8B705-64E7-4513-B3CB-BF46C35732B0}"/>
                 </a:ext>
                 <a:ext uri="{C183D7F6-B498-43B3-948B-1728B52AA6E4}">
-                  <adec:decorative xmlns="" xmlns:adec="http://schemas.microsoft.com/office/drawing/2017/decorative" val="1"/>
+                  <adec:decorative xmlns:adec="http://schemas.microsoft.com/office/drawing/2017/decorative" xmlns="" val="1"/>
                 </a:ext>
               </a:extLst>
             </p:cNvPr>
@@ -3156,7 +3144,7 @@
                   <a16:creationId xmlns:a16="http://schemas.microsoft.com/office/drawing/2014/main" id="{30DAEE1C-EBB5-47F5-9E76-564FCFDBFC24}"/>
                 </a:ext>
                 <a:ext uri="{C183D7F6-B498-43B3-948B-1728B52AA6E4}">
-                  <adec:decorative xmlns="" xmlns:adec="http://schemas.microsoft.com/office/drawing/2017/decorative" val="1"/>
+                  <adec:decorative xmlns:adec="http://schemas.microsoft.com/office/drawing/2017/decorative" xmlns="" val="1"/>
                 </a:ext>
               </a:extLst>
             </p:cNvPr>
@@ -3249,7 +3237,7 @@
                   <a16:creationId xmlns:a16="http://schemas.microsoft.com/office/drawing/2014/main" id="{EDB255E9-A3E2-4098-99A1-FE38FAD15DA1}"/>
                 </a:ext>
                 <a:ext uri="{C183D7F6-B498-43B3-948B-1728B52AA6E4}">
-                  <adec:decorative xmlns="" xmlns:adec="http://schemas.microsoft.com/office/drawing/2017/decorative" val="1"/>
+                  <adec:decorative xmlns:adec="http://schemas.microsoft.com/office/drawing/2017/decorative" xmlns="" val="1"/>
                 </a:ext>
               </a:extLst>
             </p:cNvPr>
@@ -3342,7 +3330,7 @@
                   <a16:creationId xmlns:a16="http://schemas.microsoft.com/office/drawing/2014/main" id="{D2507F2A-27AF-4833-8273-5FC9A9886392}"/>
                 </a:ext>
                 <a:ext uri="{C183D7F6-B498-43B3-948B-1728B52AA6E4}">
-                  <adec:decorative xmlns="" xmlns:adec="http://schemas.microsoft.com/office/drawing/2017/decorative" val="1"/>
+                  <adec:decorative xmlns:adec="http://schemas.microsoft.com/office/drawing/2017/decorative" xmlns="" val="1"/>
                 </a:ext>
               </a:extLst>
             </p:cNvPr>
@@ -3435,7 +3423,7 @@
                   <a16:creationId xmlns:a16="http://schemas.microsoft.com/office/drawing/2014/main" id="{8DFB8904-0CB8-45AD-ABD2-F7A582365E86}"/>
                 </a:ext>
                 <a:ext uri="{C183D7F6-B498-43B3-948B-1728B52AA6E4}">
-                  <adec:decorative xmlns="" xmlns:adec="http://schemas.microsoft.com/office/drawing/2017/decorative" val="1"/>
+                  <adec:decorative xmlns:adec="http://schemas.microsoft.com/office/drawing/2017/decorative" xmlns="" val="1"/>
                 </a:ext>
               </a:extLst>
             </p:cNvPr>
@@ -3561,8 +3549,8 @@
           </a:p>
         </p:txBody>
       </p:sp>
-      <mc:AlternateContent xmlns:mc="http://schemas.openxmlformats.org/markup-compatibility/2006">
-        <mc:Choice xmlns:a14="http://schemas.microsoft.com/office/drawing/2010/main" Requires="a14">
+      <mc:AlternateContent xmlns:mc="http://schemas.openxmlformats.org/markup-compatibility/2006" xmlns:a14="http://schemas.microsoft.com/office/drawing/2010/main">
+        <mc:Choice Requires="a14">
           <p:sp>
             <p:nvSpPr>
               <p:cNvPr id="39" name="TextBox 38">
@@ -3700,7 +3688,7 @@
             </p:txBody>
           </p:sp>
         </mc:Choice>
-        <mc:Fallback>
+        <mc:Fallback xmlns="">
           <p:sp>
             <p:nvSpPr>
               <p:cNvPr id="39" name="TextBox 38">
@@ -3745,8 +3733,8 @@
           </p:sp>
         </mc:Fallback>
       </mc:AlternateContent>
-      <mc:AlternateContent xmlns:mc="http://schemas.openxmlformats.org/markup-compatibility/2006">
-        <mc:Choice xmlns:a14="http://schemas.microsoft.com/office/drawing/2010/main" Requires="a14">
+      <mc:AlternateContent xmlns:mc="http://schemas.openxmlformats.org/markup-compatibility/2006" xmlns:a14="http://schemas.microsoft.com/office/drawing/2010/main">
+        <mc:Choice Requires="a14">
           <p:sp>
             <p:nvSpPr>
               <p:cNvPr id="41" name="TextBox 40">
@@ -3866,7 +3854,7 @@
             </p:txBody>
           </p:sp>
         </mc:Choice>
-        <mc:Fallback>
+        <mc:Fallback xmlns="">
           <p:sp>
             <p:nvSpPr>
               <p:cNvPr id="41" name="TextBox 40">
@@ -3977,8 +3965,8 @@
             <a:chExt cx="1689357" cy="687171"/>
           </a:xfrm>
         </p:grpSpPr>
-        <mc:AlternateContent xmlns:mc="http://schemas.openxmlformats.org/markup-compatibility/2006">
-          <mc:Choice xmlns:a14="http://schemas.microsoft.com/office/drawing/2010/main" Requires="a14">
+        <mc:AlternateContent xmlns:mc="http://schemas.openxmlformats.org/markup-compatibility/2006" xmlns:a14="http://schemas.microsoft.com/office/drawing/2010/main">
+          <mc:Choice Requires="a14">
             <p:sp>
               <p:nvSpPr>
                 <p:cNvPr id="47" name="Text Box 14"/>
@@ -4066,7 +4054,7 @@
               </p:txBody>
             </p:sp>
           </mc:Choice>
-          <mc:Fallback>
+          <mc:Fallback xmlns="">
             <p:sp>
               <p:nvSpPr>
                 <p:cNvPr id="47" name="Text Box 14"/>
@@ -4108,8 +4096,8 @@
             </p:sp>
           </mc:Fallback>
         </mc:AlternateContent>
-        <mc:AlternateContent xmlns:mc="http://schemas.openxmlformats.org/markup-compatibility/2006">
-          <mc:Choice xmlns:a14="http://schemas.microsoft.com/office/drawing/2010/main" Requires="a14">
+        <mc:AlternateContent xmlns:mc="http://schemas.openxmlformats.org/markup-compatibility/2006" xmlns:a14="http://schemas.microsoft.com/office/drawing/2010/main">
+          <mc:Choice Requires="a14">
             <p:sp>
               <p:nvSpPr>
                 <p:cNvPr id="48" name="Text Box 14"/>
@@ -4197,7 +4185,7 @@
               </p:txBody>
             </p:sp>
           </mc:Choice>
-          <mc:Fallback>
+          <mc:Fallback xmlns="">
             <p:sp>
               <p:nvSpPr>
                 <p:cNvPr id="48" name="Text Box 14"/>
@@ -4239,8 +4227,8 @@
             </p:sp>
           </mc:Fallback>
         </mc:AlternateContent>
-        <mc:AlternateContent xmlns:mc="http://schemas.openxmlformats.org/markup-compatibility/2006">
-          <mc:Choice xmlns:a14="http://schemas.microsoft.com/office/drawing/2010/main" Requires="a14">
+        <mc:AlternateContent xmlns:mc="http://schemas.openxmlformats.org/markup-compatibility/2006" xmlns:a14="http://schemas.microsoft.com/office/drawing/2010/main">
+          <mc:Choice Requires="a14">
             <p:sp>
               <p:nvSpPr>
                 <p:cNvPr id="49" name="Text Box 14"/>
@@ -4328,7 +4316,7 @@
               </p:txBody>
             </p:sp>
           </mc:Choice>
-          <mc:Fallback>
+          <mc:Fallback xmlns="">
             <p:sp>
               <p:nvSpPr>
                 <p:cNvPr id="49" name="Text Box 14"/>
@@ -4370,8 +4358,8 @@
             </p:sp>
           </mc:Fallback>
         </mc:AlternateContent>
-        <mc:AlternateContent xmlns:mc="http://schemas.openxmlformats.org/markup-compatibility/2006">
-          <mc:Choice xmlns:a14="http://schemas.microsoft.com/office/drawing/2010/main" Requires="a14">
+        <mc:AlternateContent xmlns:mc="http://schemas.openxmlformats.org/markup-compatibility/2006" xmlns:a14="http://schemas.microsoft.com/office/drawing/2010/main">
+          <mc:Choice Requires="a14">
             <p:sp>
               <p:nvSpPr>
                 <p:cNvPr id="50" name="Text Box 14"/>
@@ -4459,7 +4447,7 @@
               </p:txBody>
             </p:sp>
           </mc:Choice>
-          <mc:Fallback>
+          <mc:Fallback xmlns="">
             <p:sp>
               <p:nvSpPr>
                 <p:cNvPr id="50" name="Text Box 14"/>
@@ -4644,8 +4632,8 @@
           </p:style>
         </p:cxnSp>
       </p:grpSp>
-      <mc:AlternateContent xmlns:mc="http://schemas.openxmlformats.org/markup-compatibility/2006">
-        <mc:Choice xmlns:a14="http://schemas.microsoft.com/office/drawing/2010/main" Requires="a14">
+      <mc:AlternateContent xmlns:mc="http://schemas.openxmlformats.org/markup-compatibility/2006" xmlns:a14="http://schemas.microsoft.com/office/drawing/2010/main">
+        <mc:Choice Requires="a14">
           <p:sp>
             <p:nvSpPr>
               <p:cNvPr id="12" name="Прямоугольник 11"/>
@@ -4667,6 +4655,7 @@
               </a:bodyPr>
               <a:lstStyle/>
               <a:p>
+                <a:pPr/>
                 <a14:m>
                   <m:oMathPara xmlns:m="http://schemas.openxmlformats.org/officeDocument/2006/math">
                     <m:oMathParaPr>
@@ -4824,7 +4813,7 @@
             </p:txBody>
           </p:sp>
         </mc:Choice>
-        <mc:Fallback>
+        <mc:Fallback xmlns="">
           <p:sp>
             <p:nvSpPr>
               <p:cNvPr id="12" name="Прямоугольник 11"/>
@@ -4863,8 +4852,8 @@
           </p:sp>
         </mc:Fallback>
       </mc:AlternateContent>
-      <mc:AlternateContent xmlns:mc="http://schemas.openxmlformats.org/markup-compatibility/2006">
-        <mc:Choice xmlns:a14="http://schemas.microsoft.com/office/drawing/2010/main" Requires="a14">
+      <mc:AlternateContent xmlns:mc="http://schemas.openxmlformats.org/markup-compatibility/2006" xmlns:a14="http://schemas.microsoft.com/office/drawing/2010/main">
+        <mc:Choice Requires="a14">
           <p:sp>
             <p:nvSpPr>
               <p:cNvPr id="16" name="Прямоугольник 15"/>
@@ -4886,6 +4875,7 @@
               </a:bodyPr>
               <a:lstStyle/>
               <a:p>
+                <a:pPr/>
                 <a14:m>
                   <m:oMathPara xmlns:m="http://schemas.openxmlformats.org/officeDocument/2006/math">
                     <m:oMathParaPr>
@@ -5498,7 +5488,7 @@
             </p:txBody>
           </p:sp>
         </mc:Choice>
-        <mc:Fallback>
+        <mc:Fallback xmlns="">
           <p:sp>
             <p:nvSpPr>
               <p:cNvPr id="16" name="Прямоугольник 15"/>
@@ -5537,8 +5527,8 @@
           </p:sp>
         </mc:Fallback>
       </mc:AlternateContent>
-      <mc:AlternateContent xmlns:mc="http://schemas.openxmlformats.org/markup-compatibility/2006">
-        <mc:Choice xmlns:a14="http://schemas.microsoft.com/office/drawing/2010/main" Requires="a14">
+      <mc:AlternateContent xmlns:mc="http://schemas.openxmlformats.org/markup-compatibility/2006" xmlns:a14="http://schemas.microsoft.com/office/drawing/2010/main">
+        <mc:Choice Requires="a14">
           <p:sp>
             <p:nvSpPr>
               <p:cNvPr id="19" name="Прямоугольник 18"/>
@@ -5560,6 +5550,7 @@
               </a:bodyPr>
               <a:lstStyle/>
               <a:p>
+                <a:pPr/>
                 <a14:m>
                   <m:oMathPara xmlns:m="http://schemas.openxmlformats.org/officeDocument/2006/math">
                     <m:oMathParaPr>
@@ -5797,7 +5788,7 @@
             </p:txBody>
           </p:sp>
         </mc:Choice>
-        <mc:Fallback>
+        <mc:Fallback xmlns="">
           <p:sp>
             <p:nvSpPr>
               <p:cNvPr id="19" name="Прямоугольник 18"/>
@@ -5836,8 +5827,8 @@
           </p:sp>
         </mc:Fallback>
       </mc:AlternateContent>
-      <mc:AlternateContent xmlns:mc="http://schemas.openxmlformats.org/markup-compatibility/2006">
-        <mc:Choice xmlns:a14="http://schemas.microsoft.com/office/drawing/2010/main" Requires="a14">
+      <mc:AlternateContent xmlns:mc="http://schemas.openxmlformats.org/markup-compatibility/2006" xmlns:a14="http://schemas.microsoft.com/office/drawing/2010/main">
+        <mc:Choice Requires="a14">
           <p:sp>
             <p:nvSpPr>
               <p:cNvPr id="23" name="Прямоугольник 22"/>
@@ -5859,6 +5850,7 @@
               </a:bodyPr>
               <a:lstStyle/>
               <a:p>
+                <a:pPr/>
                 <a14:m>
                   <m:oMathPara xmlns:m="http://schemas.openxmlformats.org/officeDocument/2006/math">
                     <m:oMathParaPr>
@@ -5868,7 +5860,7 @@
                       <m:sSup>
                         <m:sSupPr>
                           <m:ctrlPr>
-                            <a:rPr lang="ru-RU">
+                            <a:rPr lang="ru-RU" i="1">
                               <a:latin typeface="Cambria Math" panose="02040503050406030204" pitchFamily="18" charset="0"/>
                             </a:rPr>
                           </m:ctrlPr>
@@ -5879,7 +5871,7 @@
                               <m:begChr m:val="|"/>
                               <m:endChr m:val="|"/>
                               <m:ctrlPr>
-                                <a:rPr lang="ru-RU">
+                                <a:rPr lang="ru-RU" i="1">
                                   <a:latin typeface="Cambria Math" panose="02040503050406030204" pitchFamily="18" charset="0"/>
                                 </a:rPr>
                               </m:ctrlPr>
@@ -6013,7 +6005,7 @@
             </p:txBody>
           </p:sp>
         </mc:Choice>
-        <mc:Fallback>
+        <mc:Fallback xmlns="">
           <p:sp>
             <p:nvSpPr>
               <p:cNvPr id="23" name="Прямоугольник 22"/>
@@ -6052,8 +6044,8 @@
           </p:sp>
         </mc:Fallback>
       </mc:AlternateContent>
-      <mc:AlternateContent xmlns:mc="http://schemas.openxmlformats.org/markup-compatibility/2006">
-        <mc:Choice xmlns:a14="http://schemas.microsoft.com/office/drawing/2010/main" Requires="a14">
+      <mc:AlternateContent xmlns:mc="http://schemas.openxmlformats.org/markup-compatibility/2006" xmlns:a14="http://schemas.microsoft.com/office/drawing/2010/main">
+        <mc:Choice Requires="a14">
           <p:sp>
             <p:nvSpPr>
               <p:cNvPr id="25" name="Прямоугольник 24"/>
@@ -6075,6 +6067,7 @@
               </a:bodyPr>
               <a:lstStyle/>
               <a:p>
+                <a:pPr/>
                 <a14:m>
                   <m:oMathPara xmlns:m="http://schemas.openxmlformats.org/officeDocument/2006/math">
                     <m:oMathParaPr>
@@ -6260,7 +6253,7 @@
             </p:txBody>
           </p:sp>
         </mc:Choice>
-        <mc:Fallback>
+        <mc:Fallback xmlns="">
           <p:sp>
             <p:nvSpPr>
               <p:cNvPr id="25" name="Прямоугольник 24"/>
@@ -6299,8 +6292,8 @@
           </p:sp>
         </mc:Fallback>
       </mc:AlternateContent>
-      <mc:AlternateContent xmlns:mc="http://schemas.openxmlformats.org/markup-compatibility/2006">
-        <mc:Choice xmlns:a14="http://schemas.microsoft.com/office/drawing/2010/main" Requires="a14">
+      <mc:AlternateContent xmlns:mc="http://schemas.openxmlformats.org/markup-compatibility/2006" xmlns:a14="http://schemas.microsoft.com/office/drawing/2010/main">
+        <mc:Choice Requires="a14">
           <p:sp>
             <p:nvSpPr>
               <p:cNvPr id="27" name="Прямоугольник 26"/>
@@ -6322,6 +6315,7 @@
               </a:bodyPr>
               <a:lstStyle/>
               <a:p>
+                <a:pPr/>
                 <a14:m>
                   <m:oMathPara xmlns:m="http://schemas.openxmlformats.org/officeDocument/2006/math">
                     <m:oMathParaPr>
@@ -7209,7 +7203,7 @@
             </p:txBody>
           </p:sp>
         </mc:Choice>
-        <mc:Fallback>
+        <mc:Fallback xmlns="">
           <p:sp>
             <p:nvSpPr>
               <p:cNvPr id="27" name="Прямоугольник 26"/>
@@ -7248,8 +7242,8 @@
           </p:sp>
         </mc:Fallback>
       </mc:AlternateContent>
-      <mc:AlternateContent xmlns:mc="http://schemas.openxmlformats.org/markup-compatibility/2006">
-        <mc:Choice xmlns:a14="http://schemas.microsoft.com/office/drawing/2010/main" Requires="a14">
+      <mc:AlternateContent xmlns:mc="http://schemas.openxmlformats.org/markup-compatibility/2006" xmlns:a14="http://schemas.microsoft.com/office/drawing/2010/main">
+        <mc:Choice Requires="a14">
           <p:sp>
             <p:nvSpPr>
               <p:cNvPr id="29" name="Прямоугольник 28"/>
@@ -7271,6 +7265,7 @@
               </a:bodyPr>
               <a:lstStyle/>
               <a:p>
+                <a:pPr/>
                 <a14:m>
                   <m:oMathPara xmlns:m="http://schemas.openxmlformats.org/officeDocument/2006/math">
                     <m:oMathParaPr>
@@ -7398,7 +7393,7 @@
             </p:txBody>
           </p:sp>
         </mc:Choice>
-        <mc:Fallback>
+        <mc:Fallback xmlns="">
           <p:sp>
             <p:nvSpPr>
               <p:cNvPr id="29" name="Прямоугольник 28"/>
@@ -7437,8 +7432,8 @@
           </p:sp>
         </mc:Fallback>
       </mc:AlternateContent>
-      <mc:AlternateContent xmlns:mc="http://schemas.openxmlformats.org/markup-compatibility/2006">
-        <mc:Choice xmlns:a14="http://schemas.microsoft.com/office/drawing/2010/main" Requires="a14">
+      <mc:AlternateContent xmlns:mc="http://schemas.openxmlformats.org/markup-compatibility/2006" xmlns:a14="http://schemas.microsoft.com/office/drawing/2010/main">
+        <mc:Choice Requires="a14">
           <p:sp>
             <p:nvSpPr>
               <p:cNvPr id="31" name="Прямоугольник 30"/>
@@ -7460,6 +7455,7 @@
               </a:bodyPr>
               <a:lstStyle/>
               <a:p>
+                <a:pPr/>
                 <a14:m>
                   <m:oMathPara xmlns:m="http://schemas.openxmlformats.org/officeDocument/2006/math">
                     <m:oMathParaPr>
@@ -7469,7 +7465,7 @@
                       <m:sSub>
                         <m:sSubPr>
                           <m:ctrlPr>
-                            <a:rPr lang="ru-RU">
+                            <a:rPr lang="ru-RU" i="1">
                               <a:latin typeface="Cambria Math" panose="02040503050406030204" pitchFamily="18" charset="0"/>
                             </a:rPr>
                           </m:ctrlPr>
@@ -7899,7 +7895,7 @@
             </p:txBody>
           </p:sp>
         </mc:Choice>
-        <mc:Fallback>
+        <mc:Fallback xmlns="">
           <p:sp>
             <p:nvSpPr>
               <p:cNvPr id="31" name="Прямоугольник 30"/>
@@ -7938,8 +7934,8 @@
           </p:sp>
         </mc:Fallback>
       </mc:AlternateContent>
-      <mc:AlternateContent xmlns:mc="http://schemas.openxmlformats.org/markup-compatibility/2006">
-        <mc:Choice xmlns:a14="http://schemas.microsoft.com/office/drawing/2010/main" Requires="a14">
+      <mc:AlternateContent xmlns:mc="http://schemas.openxmlformats.org/markup-compatibility/2006" xmlns:a14="http://schemas.microsoft.com/office/drawing/2010/main">
+        <mc:Choice Requires="a14">
           <p:sp>
             <p:nvSpPr>
               <p:cNvPr id="33" name="Прямоугольник 32"/>
@@ -7961,6 +7957,7 @@
               </a:bodyPr>
               <a:lstStyle/>
               <a:p>
+                <a:pPr/>
                 <a14:m>
                   <m:oMathPara xmlns:m="http://schemas.openxmlformats.org/officeDocument/2006/math">
                     <m:oMathParaPr>
@@ -7970,7 +7967,7 @@
                       <m:sSub>
                         <m:sSubPr>
                           <m:ctrlPr>
-                            <a:rPr lang="ru-RU">
+                            <a:rPr lang="ru-RU" i="1">
                               <a:latin typeface="Cambria Math" panose="02040503050406030204" pitchFamily="18" charset="0"/>
                             </a:rPr>
                           </m:ctrlPr>
@@ -8077,7 +8074,7 @@
             </p:txBody>
           </p:sp>
         </mc:Choice>
-        <mc:Fallback>
+        <mc:Fallback xmlns="">
           <p:sp>
             <p:nvSpPr>
               <p:cNvPr id="33" name="Прямоугольник 32"/>
@@ -8147,7 +8144,7 @@
                             </p:stCondLst>
                             <p:childTnLst>
                               <p:par>
-                                <p:cTn id="5" presetID="1" presetClass="entr" presetSubtype="0" fill="hold" grpId="0" nodeType="clickEffect">
+                                <p:cTn id="5" presetID="1" presetClass="entr" presetSubtype="0" fill="hold" nodeType="clickEffect">
                                   <p:stCondLst>
                                     <p:cond delay="0"/>
                                   </p:stCondLst>
@@ -8160,7 +8157,7 @@
                                           </p:stCondLst>
                                         </p:cTn>
                                         <p:tgtEl>
-                                          <p:spTgt spid="39"/>
+                                          <p:spTgt spid="46"/>
                                         </p:tgtEl>
                                         <p:attrNameLst>
                                           <p:attrName>style.visibility</p:attrName>
@@ -8205,7 +8202,7 @@
                                           </p:stCondLst>
                                         </p:cTn>
                                         <p:tgtEl>
-                                          <p:spTgt spid="41"/>
+                                          <p:spTgt spid="39"/>
                                         </p:tgtEl>
                                         <p:attrNameLst>
                                           <p:attrName>style.visibility</p:attrName>
@@ -8250,7 +8247,421 @@
                                           </p:stCondLst>
                                         </p:cTn>
                                         <p:tgtEl>
+                                          <p:spTgt spid="41"/>
+                                        </p:tgtEl>
+                                        <p:attrNameLst>
+                                          <p:attrName>style.visibility</p:attrName>
+                                        </p:attrNameLst>
+                                      </p:cBhvr>
+                                      <p:to>
+                                        <p:strVal val="visible"/>
+                                      </p:to>
+                                    </p:set>
+                                  </p:childTnLst>
+                                </p:cTn>
+                              </p:par>
+                            </p:childTnLst>
+                          </p:cTn>
+                        </p:par>
+                      </p:childTnLst>
+                    </p:cTn>
+                  </p:par>
+                  <p:par>
+                    <p:cTn id="15" fill="hold">
+                      <p:stCondLst>
+                        <p:cond delay="indefinite"/>
+                      </p:stCondLst>
+                      <p:childTnLst>
+                        <p:par>
+                          <p:cTn id="16" fill="hold">
+                            <p:stCondLst>
+                              <p:cond delay="0"/>
+                            </p:stCondLst>
+                            <p:childTnLst>
+                              <p:par>
+                                <p:cTn id="17" presetID="1" presetClass="entr" presetSubtype="0" fill="hold" grpId="0" nodeType="clickEffect">
+                                  <p:stCondLst>
+                                    <p:cond delay="0"/>
+                                  </p:stCondLst>
+                                  <p:childTnLst>
+                                    <p:set>
+                                      <p:cBhvr>
+                                        <p:cTn id="18" dur="1" fill="hold">
+                                          <p:stCondLst>
+                                            <p:cond delay="0"/>
+                                          </p:stCondLst>
+                                        </p:cTn>
+                                        <p:tgtEl>
+                                          <p:spTgt spid="12"/>
+                                        </p:tgtEl>
+                                        <p:attrNameLst>
+                                          <p:attrName>style.visibility</p:attrName>
+                                        </p:attrNameLst>
+                                      </p:cBhvr>
+                                      <p:to>
+                                        <p:strVal val="visible"/>
+                                      </p:to>
+                                    </p:set>
+                                  </p:childTnLst>
+                                </p:cTn>
+                              </p:par>
+                            </p:childTnLst>
+                          </p:cTn>
+                        </p:par>
+                      </p:childTnLst>
+                    </p:cTn>
+                  </p:par>
+                  <p:par>
+                    <p:cTn id="19" fill="hold">
+                      <p:stCondLst>
+                        <p:cond delay="indefinite"/>
+                      </p:stCondLst>
+                      <p:childTnLst>
+                        <p:par>
+                          <p:cTn id="20" fill="hold">
+                            <p:stCondLst>
+                              <p:cond delay="0"/>
+                            </p:stCondLst>
+                            <p:childTnLst>
+                              <p:par>
+                                <p:cTn id="21" presetID="1" presetClass="entr" presetSubtype="0" fill="hold" grpId="0" nodeType="clickEffect">
+                                  <p:stCondLst>
+                                    <p:cond delay="0"/>
+                                  </p:stCondLst>
+                                  <p:childTnLst>
+                                    <p:set>
+                                      <p:cBhvr>
+                                        <p:cTn id="22" dur="1" fill="hold">
+                                          <p:stCondLst>
+                                            <p:cond delay="0"/>
+                                          </p:stCondLst>
+                                        </p:cTn>
+                                        <p:tgtEl>
+                                          <p:spTgt spid="16"/>
+                                        </p:tgtEl>
+                                        <p:attrNameLst>
+                                          <p:attrName>style.visibility</p:attrName>
+                                        </p:attrNameLst>
+                                      </p:cBhvr>
+                                      <p:to>
+                                        <p:strVal val="visible"/>
+                                      </p:to>
+                                    </p:set>
+                                  </p:childTnLst>
+                                </p:cTn>
+                              </p:par>
+                            </p:childTnLst>
+                          </p:cTn>
+                        </p:par>
+                      </p:childTnLst>
+                    </p:cTn>
+                  </p:par>
+                  <p:par>
+                    <p:cTn id="23" fill="hold">
+                      <p:stCondLst>
+                        <p:cond delay="indefinite"/>
+                      </p:stCondLst>
+                      <p:childTnLst>
+                        <p:par>
+                          <p:cTn id="24" fill="hold">
+                            <p:stCondLst>
+                              <p:cond delay="0"/>
+                            </p:stCondLst>
+                            <p:childTnLst>
+                              <p:par>
+                                <p:cTn id="25" presetID="1" presetClass="entr" presetSubtype="0" fill="hold" grpId="0" nodeType="clickEffect">
+                                  <p:stCondLst>
+                                    <p:cond delay="0"/>
+                                  </p:stCondLst>
+                                  <p:childTnLst>
+                                    <p:set>
+                                      <p:cBhvr>
+                                        <p:cTn id="26" dur="1" fill="hold">
+                                          <p:stCondLst>
+                                            <p:cond delay="0"/>
+                                          </p:stCondLst>
+                                        </p:cTn>
+                                        <p:tgtEl>
+                                          <p:spTgt spid="19"/>
+                                        </p:tgtEl>
+                                        <p:attrNameLst>
+                                          <p:attrName>style.visibility</p:attrName>
+                                        </p:attrNameLst>
+                                      </p:cBhvr>
+                                      <p:to>
+                                        <p:strVal val="visible"/>
+                                      </p:to>
+                                    </p:set>
+                                  </p:childTnLst>
+                                </p:cTn>
+                              </p:par>
+                            </p:childTnLst>
+                          </p:cTn>
+                        </p:par>
+                      </p:childTnLst>
+                    </p:cTn>
+                  </p:par>
+                  <p:par>
+                    <p:cTn id="27" fill="hold">
+                      <p:stCondLst>
+                        <p:cond delay="indefinite"/>
+                      </p:stCondLst>
+                      <p:childTnLst>
+                        <p:par>
+                          <p:cTn id="28" fill="hold">
+                            <p:stCondLst>
+                              <p:cond delay="0"/>
+                            </p:stCondLst>
+                            <p:childTnLst>
+                              <p:par>
+                                <p:cTn id="29" presetID="1" presetClass="entr" presetSubtype="0" fill="hold" grpId="0" nodeType="clickEffect">
+                                  <p:stCondLst>
+                                    <p:cond delay="0"/>
+                                  </p:stCondLst>
+                                  <p:childTnLst>
+                                    <p:set>
+                                      <p:cBhvr>
+                                        <p:cTn id="30" dur="1" fill="hold">
+                                          <p:stCondLst>
+                                            <p:cond delay="0"/>
+                                          </p:stCondLst>
+                                        </p:cTn>
+                                        <p:tgtEl>
+                                          <p:spTgt spid="23"/>
+                                        </p:tgtEl>
+                                        <p:attrNameLst>
+                                          <p:attrName>style.visibility</p:attrName>
+                                        </p:attrNameLst>
+                                      </p:cBhvr>
+                                      <p:to>
+                                        <p:strVal val="visible"/>
+                                      </p:to>
+                                    </p:set>
+                                  </p:childTnLst>
+                                </p:cTn>
+                              </p:par>
+                            </p:childTnLst>
+                          </p:cTn>
+                        </p:par>
+                      </p:childTnLst>
+                    </p:cTn>
+                  </p:par>
+                  <p:par>
+                    <p:cTn id="31" fill="hold">
+                      <p:stCondLst>
+                        <p:cond delay="indefinite"/>
+                      </p:stCondLst>
+                      <p:childTnLst>
+                        <p:par>
+                          <p:cTn id="32" fill="hold">
+                            <p:stCondLst>
+                              <p:cond delay="0"/>
+                            </p:stCondLst>
+                            <p:childTnLst>
+                              <p:par>
+                                <p:cTn id="33" presetID="1" presetClass="entr" presetSubtype="0" fill="hold" grpId="0" nodeType="clickEffect">
+                                  <p:stCondLst>
+                                    <p:cond delay="0"/>
+                                  </p:stCondLst>
+                                  <p:childTnLst>
+                                    <p:set>
+                                      <p:cBhvr>
+                                        <p:cTn id="34" dur="1" fill="hold">
+                                          <p:stCondLst>
+                                            <p:cond delay="0"/>
+                                          </p:stCondLst>
+                                        </p:cTn>
+                                        <p:tgtEl>
+                                          <p:spTgt spid="25"/>
+                                        </p:tgtEl>
+                                        <p:attrNameLst>
+                                          <p:attrName>style.visibility</p:attrName>
+                                        </p:attrNameLst>
+                                      </p:cBhvr>
+                                      <p:to>
+                                        <p:strVal val="visible"/>
+                                      </p:to>
+                                    </p:set>
+                                  </p:childTnLst>
+                                </p:cTn>
+                              </p:par>
+                            </p:childTnLst>
+                          </p:cTn>
+                        </p:par>
+                      </p:childTnLst>
+                    </p:cTn>
+                  </p:par>
+                  <p:par>
+                    <p:cTn id="35" fill="hold">
+                      <p:stCondLst>
+                        <p:cond delay="indefinite"/>
+                      </p:stCondLst>
+                      <p:childTnLst>
+                        <p:par>
+                          <p:cTn id="36" fill="hold">
+                            <p:stCondLst>
+                              <p:cond delay="0"/>
+                            </p:stCondLst>
+                            <p:childTnLst>
+                              <p:par>
+                                <p:cTn id="37" presetID="1" presetClass="entr" presetSubtype="0" fill="hold" grpId="0" nodeType="clickEffect">
+                                  <p:stCondLst>
+                                    <p:cond delay="0"/>
+                                  </p:stCondLst>
+                                  <p:childTnLst>
+                                    <p:set>
+                                      <p:cBhvr>
+                                        <p:cTn id="38" dur="1" fill="hold">
+                                          <p:stCondLst>
+                                            <p:cond delay="0"/>
+                                          </p:stCondLst>
+                                        </p:cTn>
+                                        <p:tgtEl>
+                                          <p:spTgt spid="27"/>
+                                        </p:tgtEl>
+                                        <p:attrNameLst>
+                                          <p:attrName>style.visibility</p:attrName>
+                                        </p:attrNameLst>
+                                      </p:cBhvr>
+                                      <p:to>
+                                        <p:strVal val="visible"/>
+                                      </p:to>
+                                    </p:set>
+                                  </p:childTnLst>
+                                </p:cTn>
+                              </p:par>
+                            </p:childTnLst>
+                          </p:cTn>
+                        </p:par>
+                      </p:childTnLst>
+                    </p:cTn>
+                  </p:par>
+                  <p:par>
+                    <p:cTn id="39" fill="hold">
+                      <p:stCondLst>
+                        <p:cond delay="indefinite"/>
+                      </p:stCondLst>
+                      <p:childTnLst>
+                        <p:par>
+                          <p:cTn id="40" fill="hold">
+                            <p:stCondLst>
+                              <p:cond delay="0"/>
+                            </p:stCondLst>
+                            <p:childTnLst>
+                              <p:par>
+                                <p:cTn id="41" presetID="1" presetClass="entr" presetSubtype="0" fill="hold" grpId="0" nodeType="clickEffect">
+                                  <p:stCondLst>
+                                    <p:cond delay="0"/>
+                                  </p:stCondLst>
+                                  <p:childTnLst>
+                                    <p:set>
+                                      <p:cBhvr>
+                                        <p:cTn id="42" dur="1" fill="hold">
+                                          <p:stCondLst>
+                                            <p:cond delay="0"/>
+                                          </p:stCondLst>
+                                        </p:cTn>
+                                        <p:tgtEl>
+                                          <p:spTgt spid="29"/>
+                                        </p:tgtEl>
+                                        <p:attrNameLst>
+                                          <p:attrName>style.visibility</p:attrName>
+                                        </p:attrNameLst>
+                                      </p:cBhvr>
+                                      <p:to>
+                                        <p:strVal val="visible"/>
+                                      </p:to>
+                                    </p:set>
+                                  </p:childTnLst>
+                                </p:cTn>
+                              </p:par>
+                            </p:childTnLst>
+                          </p:cTn>
+                        </p:par>
+                      </p:childTnLst>
+                    </p:cTn>
+                  </p:par>
+                  <p:par>
+                    <p:cTn id="43" fill="hold">
+                      <p:stCondLst>
+                        <p:cond delay="indefinite"/>
+                      </p:stCondLst>
+                      <p:childTnLst>
+                        <p:par>
+                          <p:cTn id="44" fill="hold">
+                            <p:stCondLst>
+                              <p:cond delay="0"/>
+                            </p:stCondLst>
+                            <p:childTnLst>
+                              <p:par>
+                                <p:cTn id="45" presetID="1" presetClass="entr" presetSubtype="0" fill="hold" grpId="0" nodeType="clickEffect">
+                                  <p:stCondLst>
+                                    <p:cond delay="0"/>
+                                  </p:stCondLst>
+                                  <p:childTnLst>
+                                    <p:set>
+                                      <p:cBhvr>
+                                        <p:cTn id="46" dur="1" fill="hold">
+                                          <p:stCondLst>
+                                            <p:cond delay="0"/>
+                                          </p:stCondLst>
+                                        </p:cTn>
+                                        <p:tgtEl>
                                           <p:spTgt spid="7"/>
+                                        </p:tgtEl>
+                                        <p:attrNameLst>
+                                          <p:attrName>style.visibility</p:attrName>
+                                        </p:attrNameLst>
+                                      </p:cBhvr>
+                                      <p:to>
+                                        <p:strVal val="visible"/>
+                                      </p:to>
+                                    </p:set>
+                                  </p:childTnLst>
+                                </p:cTn>
+                              </p:par>
+                              <p:par>
+                                <p:cTn id="47" presetID="1" presetClass="entr" presetSubtype="0" fill="hold" grpId="0" nodeType="withEffect">
+                                  <p:stCondLst>
+                                    <p:cond delay="0"/>
+                                  </p:stCondLst>
+                                  <p:childTnLst>
+                                    <p:set>
+                                      <p:cBhvr>
+                                        <p:cTn id="48" dur="1" fill="hold">
+                                          <p:stCondLst>
+                                            <p:cond delay="0"/>
+                                          </p:stCondLst>
+                                        </p:cTn>
+                                        <p:tgtEl>
+                                          <p:spTgt spid="31"/>
+                                        </p:tgtEl>
+                                        <p:attrNameLst>
+                                          <p:attrName>style.visibility</p:attrName>
+                                        </p:attrNameLst>
+                                      </p:cBhvr>
+                                      <p:to>
+                                        <p:strVal val="visible"/>
+                                      </p:to>
+                                    </p:set>
+                                  </p:childTnLst>
+                                </p:cTn>
+                              </p:par>
+                              <p:par>
+                                <p:cTn id="49" presetID="1" presetClass="entr" presetSubtype="0" fill="hold" grpId="0" nodeType="withEffect">
+                                  <p:stCondLst>
+                                    <p:cond delay="0"/>
+                                  </p:stCondLst>
+                                  <p:childTnLst>
+                                    <p:set>
+                                      <p:cBhvr>
+                                        <p:cTn id="50" dur="1" fill="hold">
+                                          <p:stCondLst>
+                                            <p:cond delay="0"/>
+                                          </p:stCondLst>
+                                        </p:cTn>
+                                        <p:tgtEl>
+                                          <p:spTgt spid="33"/>
                                         </p:tgtEl>
                                         <p:attrNameLst>
                                           <p:attrName>style.visibility</p:attrName>
@@ -8294,6 +8705,15 @@
       <p:bldP spid="39" grpId="0"/>
       <p:bldP spid="41" grpId="0"/>
       <p:bldP spid="7" grpId="0" animBg="1"/>
+      <p:bldP spid="12" grpId="0"/>
+      <p:bldP spid="16" grpId="0"/>
+      <p:bldP spid="19" grpId="0"/>
+      <p:bldP spid="23" grpId="0"/>
+      <p:bldP spid="25" grpId="0"/>
+      <p:bldP spid="27" grpId="0"/>
+      <p:bldP spid="29" grpId="0"/>
+      <p:bldP spid="31" grpId="0"/>
+      <p:bldP spid="33" grpId="0"/>
     </p:bldLst>
   </p:timing>
 </p:sld>
